--- a/assets/Matchmaker Presentation.pptx
+++ b/assets/Matchmaker Presentation.pptx
@@ -145,19 +145,34 @@
 <pc:chgInfo xmlns:a="http://schemas.openxmlformats.org/drawingml/2006/main" xmlns:r="http://schemas.openxmlformats.org/officeDocument/2006/relationships" xmlns:ac="http://schemas.microsoft.com/office/drawing/2013/main/command" xmlns:pc="http://schemas.microsoft.com/office/powerpoint/2013/main/command">
   <pc:docChgLst>
     <pc:chgData name="Rachel Williams" userId="7e2a90707fc01fe7" providerId="LiveId" clId="{D8724BCD-3196-4943-BD98-1B7D757C2A20}"/>
-    <pc:docChg chg="modSld">
-      <pc:chgData name="Rachel Williams" userId="7e2a90707fc01fe7" providerId="LiveId" clId="{D8724BCD-3196-4943-BD98-1B7D757C2A20}" dt="2022-09-01T13:33:05.299" v="1" actId="6549"/>
+    <pc:docChg chg="undo custSel modSld">
+      <pc:chgData name="Rachel Williams" userId="7e2a90707fc01fe7" providerId="LiveId" clId="{D8724BCD-3196-4943-BD98-1B7D757C2A20}" dt="2022-09-01T16:11:22.929" v="445" actId="20577"/>
       <pc:docMkLst>
         <pc:docMk/>
       </pc:docMkLst>
       <pc:sldChg chg="modSp mod">
-        <pc:chgData name="Rachel Williams" userId="7e2a90707fc01fe7" providerId="LiveId" clId="{D8724BCD-3196-4943-BD98-1B7D757C2A20}" dt="2022-09-01T13:33:05.299" v="1" actId="6549"/>
+        <pc:chgData name="Rachel Williams" userId="7e2a90707fc01fe7" providerId="LiveId" clId="{D8724BCD-3196-4943-BD98-1B7D757C2A20}" dt="2022-09-01T15:48:14.656" v="173" actId="207"/>
+        <pc:sldMkLst>
+          <pc:docMk/>
+          <pc:sldMk cId="4036648800" sldId="345"/>
+        </pc:sldMkLst>
+        <pc:spChg chg="mod">
+          <ac:chgData name="Rachel Williams" userId="7e2a90707fc01fe7" providerId="LiveId" clId="{D8724BCD-3196-4943-BD98-1B7D757C2A20}" dt="2022-09-01T15:48:14.656" v="173" actId="207"/>
+          <ac:spMkLst>
+            <pc:docMk/>
+            <pc:sldMk cId="4036648800" sldId="345"/>
+            <ac:spMk id="4" creationId="{FABA94CC-2803-437F-B79F-A5067E28041B}"/>
+          </ac:spMkLst>
+        </pc:spChg>
+      </pc:sldChg>
+      <pc:sldChg chg="modSp mod">
+        <pc:chgData name="Rachel Williams" userId="7e2a90707fc01fe7" providerId="LiveId" clId="{D8724BCD-3196-4943-BD98-1B7D757C2A20}" dt="2022-09-01T16:11:22.929" v="445" actId="20577"/>
         <pc:sldMkLst>
           <pc:docMk/>
           <pc:sldMk cId="1334822948" sldId="347"/>
         </pc:sldMkLst>
         <pc:spChg chg="mod">
-          <ac:chgData name="Rachel Williams" userId="7e2a90707fc01fe7" providerId="LiveId" clId="{D8724BCD-3196-4943-BD98-1B7D757C2A20}" dt="2022-09-01T13:33:05.299" v="1" actId="6549"/>
+          <ac:chgData name="Rachel Williams" userId="7e2a90707fc01fe7" providerId="LiveId" clId="{D8724BCD-3196-4943-BD98-1B7D757C2A20}" dt="2022-09-01T16:11:22.929" v="445" actId="20577"/>
           <ac:spMkLst>
             <pc:docMk/>
             <pc:sldMk cId="1334822948" sldId="347"/>
@@ -13224,12 +13239,16 @@
             <a:r>
               <a:rPr lang="en-US" b="0" i="0" dirty="0">
                 <a:solidFill>
-                  <a:srgbClr val="1D1C1D"/>
+                  <a:schemeClr val="tx2">
+                    <a:lumMod val="75000"/>
+                    <a:lumOff val="25000"/>
+                  </a:schemeClr>
                 </a:solidFill>
                 <a:effectLst/>
-                <a:latin typeface="Slack-Lato"/>
+                <a:latin typeface="Calibri" panose="020F0502020204030204" pitchFamily="34" charset="0"/>
+                <a:cs typeface="Calibri" panose="020F0502020204030204" pitchFamily="34" charset="0"/>
               </a:rPr>
-              <a:t>Design user flows: what pages will each type of user see, and what actions can be taken on each</a:t>
+              <a:t>Design pages and actions to be taken on each</a:t>
             </a:r>
           </a:p>
           <a:p>
@@ -13240,10 +13259,14 @@
             <a:r>
               <a:rPr lang="en-US" b="0" i="0" dirty="0">
                 <a:solidFill>
-                  <a:srgbClr val="1D1C1D"/>
+                  <a:schemeClr val="tx2">
+                    <a:lumMod val="75000"/>
+                    <a:lumOff val="25000"/>
+                  </a:schemeClr>
                 </a:solidFill>
                 <a:effectLst/>
-                <a:latin typeface="Slack-Lato"/>
+                <a:latin typeface="Calibri" panose="020F0502020204030204" pitchFamily="34" charset="0"/>
+                <a:cs typeface="Calibri" panose="020F0502020204030204" pitchFamily="34" charset="0"/>
               </a:rPr>
               <a:t>Design the data structures to support the user actions</a:t>
             </a:r>
@@ -13256,32 +13279,44 @@
             <a:r>
               <a:rPr lang="en-US" b="0" i="0" dirty="0">
                 <a:solidFill>
-                  <a:srgbClr val="1D1C1D"/>
+                  <a:schemeClr val="tx2">
+                    <a:lumMod val="75000"/>
+                    <a:lumOff val="25000"/>
+                  </a:schemeClr>
                 </a:solidFill>
                 <a:effectLst/>
-                <a:latin typeface="Slack-Lato"/>
+                <a:latin typeface="Calibri" panose="020F0502020204030204" pitchFamily="34" charset="0"/>
+                <a:cs typeface="Calibri" panose="020F0502020204030204" pitchFamily="34" charset="0"/>
               </a:rPr>
               <a:t>Design the </a:t>
             </a:r>
             <a:r>
               <a:rPr lang="en-US" b="0" i="0" dirty="0" err="1">
                 <a:solidFill>
-                  <a:srgbClr val="1D1C1D"/>
+                  <a:schemeClr val="tx2">
+                    <a:lumMod val="75000"/>
+                    <a:lumOff val="25000"/>
+                  </a:schemeClr>
                 </a:solidFill>
                 <a:effectLst/>
-                <a:latin typeface="Slack-Lato"/>
+                <a:latin typeface="Calibri" panose="020F0502020204030204" pitchFamily="34" charset="0"/>
+                <a:cs typeface="Calibri" panose="020F0502020204030204" pitchFamily="34" charset="0"/>
               </a:rPr>
               <a:t>GraphQL</a:t>
             </a:r>
             <a:r>
               <a:rPr lang="en-US" b="0" i="0" dirty="0">
                 <a:solidFill>
-                  <a:srgbClr val="1D1C1D"/>
+                  <a:schemeClr val="tx2">
+                    <a:lumMod val="75000"/>
+                    <a:lumOff val="25000"/>
+                  </a:schemeClr>
                 </a:solidFill>
                 <a:effectLst/>
-                <a:latin typeface="Slack-Lato"/>
+                <a:latin typeface="Calibri" panose="020F0502020204030204" pitchFamily="34" charset="0"/>
+                <a:cs typeface="Calibri" panose="020F0502020204030204" pitchFamily="34" charset="0"/>
               </a:rPr>
-              <a:t> queries and mutations for communicating between the client and server</a:t>
+              <a:t> queries and mutations</a:t>
             </a:r>
           </a:p>
           <a:p>
@@ -13292,12 +13327,16 @@
             <a:r>
               <a:rPr lang="en-US" b="0" i="0" dirty="0">
                 <a:solidFill>
-                  <a:srgbClr val="1D1C1D"/>
+                  <a:schemeClr val="tx2">
+                    <a:lumMod val="75000"/>
+                    <a:lumOff val="25000"/>
+                  </a:schemeClr>
                 </a:solidFill>
                 <a:effectLst/>
-                <a:latin typeface="Slack-Lato"/>
+                <a:latin typeface="Calibri" panose="020F0502020204030204" pitchFamily="34" charset="0"/>
+                <a:cs typeface="Calibri" panose="020F0502020204030204" pitchFamily="34" charset="0"/>
               </a:rPr>
-              <a:t>Code the client, which includes the CSS for each page</a:t>
+              <a:t>Code the client, including CSS for each page</a:t>
             </a:r>
           </a:p>
           <a:p>
@@ -13308,13 +13347,41 @@
             <a:r>
               <a:rPr lang="en-US" b="0" i="0" dirty="0">
                 <a:solidFill>
-                  <a:srgbClr val="1D1C1D"/>
+                  <a:schemeClr val="tx2">
+                    <a:lumMod val="75000"/>
+                    <a:lumOff val="25000"/>
+                  </a:schemeClr>
                 </a:solidFill>
                 <a:effectLst/>
-                <a:latin typeface="Slack-Lato"/>
+                <a:latin typeface="Calibri" panose="020F0502020204030204" pitchFamily="34" charset="0"/>
+                <a:cs typeface="Calibri" panose="020F0502020204030204" pitchFamily="34" charset="0"/>
               </a:rPr>
-              <a:t>Code the server.  Begin with the resolver, and stub out each function so the client can be debugged while each server function is coded.</a:t>
-            </a:r>
+              <a:t>Code the server</a:t>
+            </a:r>
+            <a:r>
+              <a:rPr lang="en-US" dirty="0">
+                <a:solidFill>
+                  <a:schemeClr val="tx2">
+                    <a:lumMod val="75000"/>
+                    <a:lumOff val="25000"/>
+                  </a:schemeClr>
+                </a:solidFill>
+                <a:latin typeface="Calibri" panose="020F0502020204030204" pitchFamily="34" charset="0"/>
+                <a:cs typeface="Calibri" panose="020F0502020204030204" pitchFamily="34" charset="0"/>
+              </a:rPr>
+              <a:t> </a:t>
+            </a:r>
+            <a:endParaRPr lang="en-US" b="0" i="0" dirty="0">
+              <a:solidFill>
+                <a:schemeClr val="tx2">
+                  <a:lumMod val="75000"/>
+                  <a:lumOff val="25000"/>
+                </a:schemeClr>
+              </a:solidFill>
+              <a:effectLst/>
+              <a:latin typeface="Calibri" panose="020F0502020204030204" pitchFamily="34" charset="0"/>
+              <a:cs typeface="Calibri" panose="020F0502020204030204" pitchFamily="34" charset="0"/>
+            </a:endParaRPr>
           </a:p>
           <a:p>
             <a:pPr>
@@ -13324,48 +13391,68 @@
             <a:r>
               <a:rPr lang="en-US" b="0" i="0" dirty="0">
                 <a:solidFill>
-                  <a:srgbClr val="1D1C1D"/>
+                  <a:schemeClr val="tx2">
+                    <a:lumMod val="75000"/>
+                    <a:lumOff val="25000"/>
+                  </a:schemeClr>
                 </a:solidFill>
                 <a:effectLst/>
-                <a:latin typeface="Slack-Lato"/>
+                <a:latin typeface="Calibri" panose="020F0502020204030204" pitchFamily="34" charset="0"/>
+                <a:cs typeface="Calibri" panose="020F0502020204030204" pitchFamily="34" charset="0"/>
               </a:rPr>
-              <a:t>Test and debug.  This may require some changes to the queries and mutations.  Use the </a:t>
+              <a:t>Test and debug, using the </a:t>
             </a:r>
             <a:r>
               <a:rPr lang="en-US" b="0" i="0" dirty="0" err="1">
                 <a:solidFill>
-                  <a:srgbClr val="1D1C1D"/>
+                  <a:schemeClr val="tx2">
+                    <a:lumMod val="75000"/>
+                    <a:lumOff val="25000"/>
+                  </a:schemeClr>
                 </a:solidFill>
                 <a:effectLst/>
-                <a:latin typeface="Slack-Lato"/>
+                <a:latin typeface="Calibri" panose="020F0502020204030204" pitchFamily="34" charset="0"/>
+                <a:cs typeface="Calibri" panose="020F0502020204030204" pitchFamily="34" charset="0"/>
               </a:rPr>
               <a:t>GraphQL</a:t>
             </a:r>
             <a:r>
               <a:rPr lang="en-US" b="0" i="0" dirty="0">
                 <a:solidFill>
-                  <a:srgbClr val="1D1C1D"/>
+                  <a:schemeClr val="tx2">
+                    <a:lumMod val="75000"/>
+                    <a:lumOff val="25000"/>
+                  </a:schemeClr>
                 </a:solidFill>
                 <a:effectLst/>
-                <a:latin typeface="Slack-Lato"/>
+                <a:latin typeface="Calibri" panose="020F0502020204030204" pitchFamily="34" charset="0"/>
+                <a:cs typeface="Calibri" panose="020F0502020204030204" pitchFamily="34" charset="0"/>
               </a:rPr>
               <a:t> sandbox and Chrome </a:t>
             </a:r>
             <a:r>
               <a:rPr lang="en-US" b="0" i="0" dirty="0" err="1">
                 <a:solidFill>
-                  <a:srgbClr val="1D1C1D"/>
+                  <a:schemeClr val="tx2">
+                    <a:lumMod val="75000"/>
+                    <a:lumOff val="25000"/>
+                  </a:schemeClr>
                 </a:solidFill>
                 <a:effectLst/>
-                <a:latin typeface="Slack-Lato"/>
+                <a:latin typeface="Calibri" panose="020F0502020204030204" pitchFamily="34" charset="0"/>
+                <a:cs typeface="Calibri" panose="020F0502020204030204" pitchFamily="34" charset="0"/>
               </a:rPr>
               <a:t>devtools</a:t>
             </a:r>
             <a:endParaRPr lang="en-US" dirty="0">
               <a:solidFill>
-                <a:srgbClr val="1D1C1D"/>
+                <a:schemeClr val="tx2">
+                  <a:lumMod val="75000"/>
+                  <a:lumOff val="25000"/>
+                </a:schemeClr>
               </a:solidFill>
-              <a:latin typeface="Slack-Lato"/>
+              <a:latin typeface="Calibri" panose="020F0502020204030204" pitchFamily="34" charset="0"/>
+              <a:cs typeface="Calibri" panose="020F0502020204030204" pitchFamily="34" charset="0"/>
             </a:endParaRPr>
           </a:p>
           <a:p>
@@ -13376,10 +13463,14 @@
             <a:r>
               <a:rPr lang="en-US" b="0" i="0" dirty="0">
                 <a:solidFill>
-                  <a:srgbClr val="1D1C1D"/>
+                  <a:schemeClr val="tx2">
+                    <a:lumMod val="75000"/>
+                    <a:lumOff val="25000"/>
+                  </a:schemeClr>
                 </a:solidFill>
                 <a:effectLst/>
-                <a:latin typeface="Slack-Lato"/>
+                <a:latin typeface="Calibri" panose="020F0502020204030204" pitchFamily="34" charset="0"/>
+                <a:cs typeface="Calibri" panose="020F0502020204030204" pitchFamily="34" charset="0"/>
               </a:rPr>
               <a:t>Deploy to Heroku and MongoDB Atlas</a:t>
             </a:r>
@@ -13392,14 +13483,27 @@
             <a:r>
               <a:rPr lang="en-US" b="0" i="0" dirty="0">
                 <a:solidFill>
-                  <a:srgbClr val="1D1C1D"/>
+                  <a:schemeClr val="tx2">
+                    <a:lumMod val="75000"/>
+                    <a:lumOff val="25000"/>
+                  </a:schemeClr>
                 </a:solidFill>
                 <a:effectLst/>
-                <a:latin typeface="Slack-Lato"/>
+                <a:latin typeface="Calibri" panose="020F0502020204030204" pitchFamily="34" charset="0"/>
+                <a:cs typeface="Calibri" panose="020F0502020204030204" pitchFamily="34" charset="0"/>
               </a:rPr>
               <a:t>Present the application to the class</a:t>
             </a:r>
-            <a:endParaRPr lang="en-US" b="1" dirty="0"/>
+            <a:endParaRPr lang="en-US" b="1" dirty="0">
+              <a:solidFill>
+                <a:schemeClr val="tx2">
+                  <a:lumMod val="75000"/>
+                  <a:lumOff val="25000"/>
+                </a:schemeClr>
+              </a:solidFill>
+              <a:latin typeface="Calibri" panose="020F0502020204030204" pitchFamily="34" charset="0"/>
+              <a:cs typeface="Calibri" panose="020F0502020204030204" pitchFamily="34" charset="0"/>
+            </a:endParaRPr>
           </a:p>
         </p:txBody>
       </p:sp>
@@ -13711,7 +13815,7 @@
         </p:spPr>
         <p:txBody>
           <a:bodyPr numCol="3">
-            <a:normAutofit fontScale="55000" lnSpcReduction="20000"/>
+            <a:normAutofit/>
           </a:bodyPr>
           <a:lstStyle/>
           <a:p>
@@ -13770,7 +13874,7 @@
               <a:buChar char=""/>
             </a:pPr>
             <a:r>
-              <a:rPr lang="en-US" sz="3200" dirty="0">
+              <a:rPr lang="en-US" sz="2400" dirty="0">
                 <a:solidFill>
                   <a:srgbClr val="201449"/>
                 </a:solidFill>
@@ -13797,7 +13901,7 @@
               <a:buChar char=""/>
             </a:pPr>
             <a:r>
-              <a:rPr lang="en-US" sz="3200" dirty="0">
+              <a:rPr lang="en-US" sz="2400" dirty="0">
                 <a:solidFill>
                   <a:srgbClr val="201449"/>
                 </a:solidFill>
@@ -13806,7 +13910,71 @@
                 <a:ea typeface="Calibri" panose="020F0502020204030204" pitchFamily="34" charset="0"/>
                 <a:cs typeface="Times New Roman" panose="02020603050405020304" pitchFamily="18" charset="0"/>
               </a:rPr>
-              <a:t>UI</a:t>
+              <a:t>Client pages, login, signup, pay, choose, rate</a:t>
+            </a:r>
+          </a:p>
+          <a:p>
+            <a:pPr marL="342900" marR="0" lvl="0" indent="-342900">
+              <a:lnSpc>
+                <a:spcPct val="107000"/>
+              </a:lnSpc>
+              <a:spcBef>
+                <a:spcPts val="0"/>
+              </a:spcBef>
+              <a:spcAft>
+                <a:spcPts val="0"/>
+              </a:spcAft>
+              <a:buFont typeface="Symbol" panose="05050102010706020507" pitchFamily="18" charset="2"/>
+              <a:buChar char=""/>
+            </a:pPr>
+            <a:r>
+              <a:rPr lang="en-US" sz="2400" dirty="0" err="1">
+                <a:solidFill>
+                  <a:srgbClr val="201449"/>
+                </a:solidFill>
+                <a:latin typeface="Calibri" panose="020F0502020204030204" pitchFamily="34" charset="0"/>
+                <a:ea typeface="Calibri" panose="020F0502020204030204" pitchFamily="34" charset="0"/>
+                <a:cs typeface="Times New Roman" panose="02020603050405020304" pitchFamily="18" charset="0"/>
+              </a:rPr>
+              <a:t>GraphQL</a:t>
+            </a:r>
+            <a:r>
+              <a:rPr lang="en-US" sz="2400" dirty="0">
+                <a:solidFill>
+                  <a:srgbClr val="201449"/>
+                </a:solidFill>
+                <a:latin typeface="Calibri" panose="020F0502020204030204" pitchFamily="34" charset="0"/>
+                <a:ea typeface="Calibri" panose="020F0502020204030204" pitchFamily="34" charset="0"/>
+                <a:cs typeface="Times New Roman" panose="02020603050405020304" pitchFamily="18" charset="0"/>
+              </a:rPr>
+              <a:t> resolver</a:t>
+            </a:r>
+          </a:p>
+          <a:p>
+            <a:pPr marL="342900" marR="0" lvl="0" indent="-342900">
+              <a:lnSpc>
+                <a:spcPct val="107000"/>
+              </a:lnSpc>
+              <a:spcBef>
+                <a:spcPts val="0"/>
+              </a:spcBef>
+              <a:spcAft>
+                <a:spcPts val="0"/>
+              </a:spcAft>
+              <a:buFont typeface="Symbol" panose="05050102010706020507" pitchFamily="18" charset="2"/>
+              <a:buChar char=""/>
+            </a:pPr>
+            <a:r>
+              <a:rPr lang="en-US" sz="2400" dirty="0">
+                <a:solidFill>
+                  <a:srgbClr val="201449"/>
+                </a:solidFill>
+                <a:effectLst/>
+                <a:latin typeface="Calibri" panose="020F0502020204030204" pitchFamily="34" charset="0"/>
+                <a:ea typeface="Calibri" panose="020F0502020204030204" pitchFamily="34" charset="0"/>
+                <a:cs typeface="Times New Roman" panose="02020603050405020304" pitchFamily="18" charset="0"/>
+              </a:rPr>
+              <a:t>Seeker-matching algorithm</a:t>
             </a:r>
           </a:p>
           <a:p>
@@ -13824,7 +13992,7 @@
               <a:buChar char=""/>
             </a:pPr>
             <a:r>
-              <a:rPr lang="en-US" sz="3200" dirty="0">
+              <a:rPr lang="en-US" sz="2400" dirty="0">
                 <a:solidFill>
                   <a:srgbClr val="201449"/>
                 </a:solidFill>
@@ -13835,21 +14003,6 @@
               </a:rPr>
               <a:t>Stripe</a:t>
             </a:r>
-          </a:p>
-          <a:p>
-            <a:pPr marL="342900" marR="0" lvl="0" indent="-342900">
-              <a:lnSpc>
-                <a:spcPct val="107000"/>
-              </a:lnSpc>
-              <a:spcBef>
-                <a:spcPts val="0"/>
-              </a:spcBef>
-              <a:spcAft>
-                <a:spcPts val="800"/>
-              </a:spcAft>
-              <a:buFont typeface="Symbol" panose="05050102010706020507" pitchFamily="18" charset="2"/>
-              <a:buChar char=""/>
-            </a:pPr>
             <a:endParaRPr lang="en-US" sz="3200" dirty="0">
               <a:solidFill>
                 <a:srgbClr val="201449"/>
@@ -13858,16 +14011,6 @@
               <a:latin typeface="Calibri" panose="020F0502020204030204" pitchFamily="34" charset="0"/>
               <a:ea typeface="Calibri" panose="020F0502020204030204" pitchFamily="34" charset="0"/>
               <a:cs typeface="Times New Roman" panose="02020603050405020304" pitchFamily="18" charset="0"/>
-            </a:endParaRPr>
-          </a:p>
-          <a:p>
-            <a:pPr marL="228600" indent="0">
-              <a:buNone/>
-            </a:pPr>
-            <a:endParaRPr lang="en-US" sz="4800" dirty="0">
-              <a:solidFill>
-                <a:schemeClr val="accent1"/>
-              </a:solidFill>
             </a:endParaRPr>
           </a:p>
           <a:p>
@@ -13883,108 +14026,8 @@
               </a:spcAft>
               <a:buNone/>
             </a:pPr>
-            <a:endParaRPr lang="en-US" sz="4800" b="1" dirty="0">
-              <a:solidFill>
-                <a:schemeClr val="tx2">
-                  <a:lumMod val="50000"/>
-                  <a:lumOff val="50000"/>
-                </a:schemeClr>
-              </a:solidFill>
-              <a:latin typeface="Calibri" panose="020F0502020204030204" pitchFamily="34" charset="0"/>
-              <a:ea typeface="Calibri" panose="020F0502020204030204" pitchFamily="34" charset="0"/>
-              <a:cs typeface="Times New Roman" panose="02020603050405020304" pitchFamily="18" charset="0"/>
-            </a:endParaRPr>
-          </a:p>
-          <a:p>
-            <a:pPr marL="0" marR="0" indent="0">
-              <a:lnSpc>
-                <a:spcPct val="107000"/>
-              </a:lnSpc>
-              <a:spcBef>
-                <a:spcPts val="0"/>
-              </a:spcBef>
-              <a:spcAft>
-                <a:spcPts val="800"/>
-              </a:spcAft>
-              <a:buNone/>
-            </a:pPr>
-            <a:endParaRPr lang="en-US" sz="4800" b="1" dirty="0">
-              <a:solidFill>
-                <a:schemeClr val="tx2">
-                  <a:lumMod val="50000"/>
-                  <a:lumOff val="50000"/>
-                </a:schemeClr>
-              </a:solidFill>
-              <a:latin typeface="Calibri" panose="020F0502020204030204" pitchFamily="34" charset="0"/>
-              <a:ea typeface="Calibri" panose="020F0502020204030204" pitchFamily="34" charset="0"/>
-              <a:cs typeface="Times New Roman" panose="02020603050405020304" pitchFamily="18" charset="0"/>
-            </a:endParaRPr>
-          </a:p>
-          <a:p>
-            <a:pPr marL="0" marR="0" indent="0">
-              <a:lnSpc>
-                <a:spcPct val="107000"/>
-              </a:lnSpc>
-              <a:spcBef>
-                <a:spcPts val="0"/>
-              </a:spcBef>
-              <a:spcAft>
-                <a:spcPts val="800"/>
-              </a:spcAft>
-              <a:buNone/>
-            </a:pPr>
-            <a:endParaRPr lang="en-US" sz="4800" b="1" dirty="0">
-              <a:solidFill>
-                <a:schemeClr val="tx2">
-                  <a:lumMod val="50000"/>
-                  <a:lumOff val="50000"/>
-                </a:schemeClr>
-              </a:solidFill>
-              <a:latin typeface="Calibri" panose="020F0502020204030204" pitchFamily="34" charset="0"/>
-              <a:ea typeface="Calibri" panose="020F0502020204030204" pitchFamily="34" charset="0"/>
-              <a:cs typeface="Times New Roman" panose="02020603050405020304" pitchFamily="18" charset="0"/>
-            </a:endParaRPr>
-          </a:p>
-          <a:p>
-            <a:pPr marL="0" marR="0" indent="0">
-              <a:lnSpc>
-                <a:spcPct val="107000"/>
-              </a:lnSpc>
-              <a:spcBef>
-                <a:spcPts val="0"/>
-              </a:spcBef>
-              <a:spcAft>
-                <a:spcPts val="800"/>
-              </a:spcAft>
-              <a:buNone/>
-            </a:pPr>
-            <a:endParaRPr lang="en-US" sz="4800" b="1" dirty="0">
-              <a:solidFill>
-                <a:schemeClr val="tx2">
-                  <a:lumMod val="50000"/>
-                  <a:lumOff val="50000"/>
-                </a:schemeClr>
-              </a:solidFill>
-              <a:latin typeface="Calibri" panose="020F0502020204030204" pitchFamily="34" charset="0"/>
-              <a:ea typeface="Calibri" panose="020F0502020204030204" pitchFamily="34" charset="0"/>
-              <a:cs typeface="Times New Roman" panose="02020603050405020304" pitchFamily="18" charset="0"/>
-            </a:endParaRPr>
-          </a:p>
-          <a:p>
-            <a:pPr marL="0" marR="0" indent="0">
-              <a:lnSpc>
-                <a:spcPct val="107000"/>
-              </a:lnSpc>
-              <a:spcBef>
-                <a:spcPts val="0"/>
-              </a:spcBef>
-              <a:spcAft>
-                <a:spcPts val="800"/>
-              </a:spcAft>
-              <a:buNone/>
-            </a:pPr>
-            <a:r>
-              <a:rPr lang="en-US" sz="4800" b="1">
+            <a:r>
+              <a:rPr lang="en-US" sz="4800" b="1" dirty="0">
                 <a:solidFill>
                   <a:schemeClr val="tx2">
                     <a:lumMod val="50000"/>
@@ -14027,13 +14070,18 @@
             </a:pPr>
             <a:r>
               <a:rPr lang="en-US" sz="2800" dirty="0">
-                <a:effectLst/>
                 <a:latin typeface="Calibri" panose="020F0502020204030204" pitchFamily="34" charset="0"/>
                 <a:ea typeface="Calibri" panose="020F0502020204030204" pitchFamily="34" charset="0"/>
                 <a:cs typeface="Times New Roman" panose="02020603050405020304" pitchFamily="18" charset="0"/>
               </a:rPr>
-              <a:t>Models</a:t>
-            </a:r>
+              <a:t>Data structures</a:t>
+            </a:r>
+            <a:endParaRPr lang="en-US" sz="2800" dirty="0">
+              <a:effectLst/>
+              <a:latin typeface="Calibri" panose="020F0502020204030204" pitchFamily="34" charset="0"/>
+              <a:ea typeface="Calibri" panose="020F0502020204030204" pitchFamily="34" charset="0"/>
+              <a:cs typeface="Times New Roman" panose="02020603050405020304" pitchFamily="18" charset="0"/>
+            </a:endParaRPr>
           </a:p>
           <a:p>
             <a:pPr marL="342900" marR="0" lvl="0" indent="-342900">
@@ -14129,12 +14177,10 @@
             </a:pPr>
             <a:r>
               <a:rPr lang="en-US" sz="2800" dirty="0">
-                <a:effectLst/>
                 <a:latin typeface="Calibri" panose="020F0502020204030204" pitchFamily="34" charset="0"/>
-                <a:ea typeface="Calibri" panose="020F0502020204030204" pitchFamily="34" charset="0"/>
                 <a:cs typeface="Times New Roman" panose="02020603050405020304" pitchFamily="18" charset="0"/>
               </a:rPr>
-              <a:t>React forms</a:t>
+              <a:t>Stripe</a:t>
             </a:r>
           </a:p>
           <a:p>
@@ -14146,162 +14192,13 @@
                 <a:spcPts val="0"/>
               </a:spcBef>
               <a:spcAft>
-                <a:spcPts val="800"/>
-              </a:spcAft>
-              <a:buFont typeface="Symbol" panose="05050102010706020507" pitchFamily="18" charset="2"/>
-              <a:buChar char=""/>
-            </a:pPr>
-            <a:r>
-              <a:rPr lang="en-US" sz="2800" dirty="0">
-                <a:effectLst/>
-                <a:latin typeface="Calibri" panose="020F0502020204030204" pitchFamily="34" charset="0"/>
-                <a:ea typeface="Calibri" panose="020F0502020204030204" pitchFamily="34" charset="0"/>
-                <a:cs typeface="Times New Roman" panose="02020603050405020304" pitchFamily="18" charset="0"/>
-              </a:rPr>
-              <a:t>Stripe</a:t>
-            </a:r>
-          </a:p>
-          <a:p>
-            <a:pPr marL="342900" marR="0" lvl="0" indent="-342900">
-              <a:lnSpc>
-                <a:spcPct val="107000"/>
-              </a:lnSpc>
-              <a:spcBef>
                 <a:spcPts val="0"/>
-              </a:spcBef>
-              <a:spcAft>
-                <a:spcPts val="800"/>
               </a:spcAft>
               <a:buFont typeface="Symbol" panose="05050102010706020507" pitchFamily="18" charset="2"/>
               <a:buChar char=""/>
             </a:pPr>
             <a:endParaRPr lang="en-US" sz="2800" dirty="0">
               <a:latin typeface="Calibri" panose="020F0502020204030204" pitchFamily="34" charset="0"/>
-              <a:ea typeface="Calibri" panose="020F0502020204030204" pitchFamily="34" charset="0"/>
-              <a:cs typeface="Times New Roman" panose="02020603050405020304" pitchFamily="18" charset="0"/>
-            </a:endParaRPr>
-          </a:p>
-          <a:p>
-            <a:pPr marL="342900" marR="0" lvl="0" indent="-342900">
-              <a:lnSpc>
-                <a:spcPct val="107000"/>
-              </a:lnSpc>
-              <a:spcBef>
-                <a:spcPts val="0"/>
-              </a:spcBef>
-              <a:spcAft>
-                <a:spcPts val="800"/>
-              </a:spcAft>
-              <a:buFont typeface="Symbol" panose="05050102010706020507" pitchFamily="18" charset="2"/>
-              <a:buChar char=""/>
-            </a:pPr>
-            <a:endParaRPr lang="en-US" sz="2800" dirty="0">
-              <a:effectLst/>
-              <a:latin typeface="Calibri" panose="020F0502020204030204" pitchFamily="34" charset="0"/>
-              <a:ea typeface="Calibri" panose="020F0502020204030204" pitchFamily="34" charset="0"/>
-              <a:cs typeface="Times New Roman" panose="02020603050405020304" pitchFamily="18" charset="0"/>
-            </a:endParaRPr>
-          </a:p>
-          <a:p>
-            <a:pPr marL="342900" marR="0" lvl="0" indent="-342900">
-              <a:lnSpc>
-                <a:spcPct val="107000"/>
-              </a:lnSpc>
-              <a:spcBef>
-                <a:spcPts val="0"/>
-              </a:spcBef>
-              <a:spcAft>
-                <a:spcPts val="800"/>
-              </a:spcAft>
-              <a:buFont typeface="Symbol" panose="05050102010706020507" pitchFamily="18" charset="2"/>
-              <a:buChar char=""/>
-            </a:pPr>
-            <a:endParaRPr lang="en-US" sz="2800" dirty="0">
-              <a:effectLst/>
-              <a:latin typeface="Calibri" panose="020F0502020204030204" pitchFamily="34" charset="0"/>
-              <a:ea typeface="Calibri" panose="020F0502020204030204" pitchFamily="34" charset="0"/>
-              <a:cs typeface="Times New Roman" panose="02020603050405020304" pitchFamily="18" charset="0"/>
-            </a:endParaRPr>
-          </a:p>
-          <a:p>
-            <a:pPr marL="342900" marR="0" lvl="0" indent="-342900">
-              <a:lnSpc>
-                <a:spcPct val="107000"/>
-              </a:lnSpc>
-              <a:spcBef>
-                <a:spcPts val="0"/>
-              </a:spcBef>
-              <a:spcAft>
-                <a:spcPts val="800"/>
-              </a:spcAft>
-              <a:buFont typeface="Symbol" panose="05050102010706020507" pitchFamily="18" charset="2"/>
-              <a:buChar char=""/>
-            </a:pPr>
-            <a:endParaRPr lang="en-US" sz="2800" dirty="0">
-              <a:latin typeface="Calibri" panose="020F0502020204030204" pitchFamily="34" charset="0"/>
-              <a:ea typeface="Calibri" panose="020F0502020204030204" pitchFamily="34" charset="0"/>
-              <a:cs typeface="Times New Roman" panose="02020603050405020304" pitchFamily="18" charset="0"/>
-            </a:endParaRPr>
-          </a:p>
-          <a:p>
-            <a:pPr marL="342900" marR="0" lvl="0" indent="-342900">
-              <a:lnSpc>
-                <a:spcPct val="107000"/>
-              </a:lnSpc>
-              <a:spcBef>
-                <a:spcPts val="0"/>
-              </a:spcBef>
-              <a:spcAft>
-                <a:spcPts val="800"/>
-              </a:spcAft>
-              <a:buFont typeface="Symbol" panose="05050102010706020507" pitchFamily="18" charset="2"/>
-              <a:buChar char=""/>
-            </a:pPr>
-            <a:endParaRPr lang="en-US" sz="2800" dirty="0">
-              <a:effectLst/>
-              <a:latin typeface="Calibri" panose="020F0502020204030204" pitchFamily="34" charset="0"/>
-              <a:ea typeface="Calibri" panose="020F0502020204030204" pitchFamily="34" charset="0"/>
-              <a:cs typeface="Times New Roman" panose="02020603050405020304" pitchFamily="18" charset="0"/>
-            </a:endParaRPr>
-          </a:p>
-          <a:p>
-            <a:pPr marL="342900" marR="0" lvl="0" indent="-342900">
-              <a:lnSpc>
-                <a:spcPct val="107000"/>
-              </a:lnSpc>
-              <a:spcBef>
-                <a:spcPts val="0"/>
-              </a:spcBef>
-              <a:spcAft>
-                <a:spcPts val="800"/>
-              </a:spcAft>
-              <a:buFont typeface="Symbol" panose="05050102010706020507" pitchFamily="18" charset="2"/>
-              <a:buChar char=""/>
-            </a:pPr>
-            <a:endParaRPr lang="en-US" sz="2800" dirty="0">
-              <a:latin typeface="Calibri" panose="020F0502020204030204" pitchFamily="34" charset="0"/>
-              <a:ea typeface="Calibri" panose="020F0502020204030204" pitchFamily="34" charset="0"/>
-              <a:cs typeface="Times New Roman" panose="02020603050405020304" pitchFamily="18" charset="0"/>
-            </a:endParaRPr>
-          </a:p>
-          <a:p>
-            <a:pPr marL="342900" marR="0" lvl="0" indent="-342900">
-              <a:lnSpc>
-                <a:spcPct val="107000"/>
-              </a:lnSpc>
-              <a:spcBef>
-                <a:spcPts val="0"/>
-              </a:spcBef>
-              <a:spcAft>
-                <a:spcPts val="800"/>
-              </a:spcAft>
-              <a:buFont typeface="Symbol" panose="05050102010706020507" pitchFamily="18" charset="2"/>
-              <a:buChar char=""/>
-            </a:pPr>
-            <a:endParaRPr lang="en-US" sz="2800" dirty="0">
-              <a:effectLst/>
-              <a:latin typeface="Calibri" panose="020F0502020204030204" pitchFamily="34" charset="0"/>
-              <a:ea typeface="Calibri" panose="020F0502020204030204" pitchFamily="34" charset="0"/>
               <a:cs typeface="Times New Roman" panose="02020603050405020304" pitchFamily="18" charset="0"/>
             </a:endParaRPr>
           </a:p>
@@ -14314,167 +14211,20 @@
                 <a:spcPts val="0"/>
               </a:spcBef>
               <a:spcAft>
-                <a:spcPts val="800"/>
+                <a:spcPts val="0"/>
               </a:spcAft>
               <a:buNone/>
             </a:pPr>
             <a:r>
-              <a:rPr lang="en-US" sz="4800" b="1" dirty="0">
-                <a:solidFill>
-                  <a:schemeClr val="tx2">
-                    <a:lumMod val="75000"/>
-                    <a:lumOff val="25000"/>
-                    <a:alpha val="70000"/>
-                  </a:schemeClr>
-                </a:solidFill>
+              <a:rPr lang="en-US" sz="2800">
                 <a:latin typeface="Calibri" panose="020F0502020204030204" pitchFamily="34" charset="0"/>
-                <a:ea typeface="Calibri" panose="020F0502020204030204" pitchFamily="34" charset="0"/>
-                <a:cs typeface="Times New Roman" panose="02020603050405020304" pitchFamily="18" charset="0"/>
-              </a:rPr>
-              <a:t>Spencer</a:t>
-            </a:r>
-          </a:p>
-          <a:p>
-            <a:pPr marR="0" lvl="0" indent="-457200">
-              <a:lnSpc>
-                <a:spcPct val="107000"/>
-              </a:lnSpc>
-              <a:spcBef>
-                <a:spcPts val="0"/>
-              </a:spcBef>
-              <a:spcAft>
-                <a:spcPts val="800"/>
-              </a:spcAft>
-              <a:buFont typeface="Arial" panose="020B0604020202020204" pitchFamily="34" charset="0"/>
-              <a:buChar char="•"/>
-            </a:pPr>
-            <a:r>
-              <a:rPr lang="en-US" sz="2800" dirty="0">
-                <a:solidFill>
-                  <a:schemeClr val="tx2">
-                    <a:lumMod val="75000"/>
-                    <a:lumOff val="25000"/>
-                    <a:alpha val="70000"/>
-                  </a:schemeClr>
-                </a:solidFill>
-                <a:latin typeface="Calibri" panose="020F0502020204030204" pitchFamily="34" charset="0"/>
-                <a:ea typeface="Calibri" panose="020F0502020204030204" pitchFamily="34" charset="0"/>
-                <a:cs typeface="Times New Roman" panose="02020603050405020304" pitchFamily="18" charset="0"/>
-              </a:rPr>
-              <a:t>Wireframes</a:t>
-            </a:r>
-          </a:p>
-          <a:p>
-            <a:pPr marR="0" lvl="0" indent="-457200">
-              <a:lnSpc>
-                <a:spcPct val="107000"/>
-              </a:lnSpc>
-              <a:spcBef>
-                <a:spcPts val="0"/>
-              </a:spcBef>
-              <a:spcAft>
-                <a:spcPts val="800"/>
-              </a:spcAft>
-              <a:buFont typeface="Arial" panose="020B0604020202020204" pitchFamily="34" charset="0"/>
-              <a:buChar char="•"/>
-            </a:pPr>
-            <a:endParaRPr lang="en-US" sz="2800" dirty="0">
-              <a:solidFill>
-                <a:schemeClr val="tx2">
-                  <a:lumMod val="75000"/>
-                  <a:lumOff val="25000"/>
-                  <a:alpha val="70000"/>
-                </a:schemeClr>
-              </a:solidFill>
-              <a:latin typeface="Calibri" panose="020F0502020204030204" pitchFamily="34" charset="0"/>
-              <a:ea typeface="Calibri" panose="020F0502020204030204" pitchFamily="34" charset="0"/>
-              <a:cs typeface="Times New Roman" panose="02020603050405020304" pitchFamily="18" charset="0"/>
-            </a:endParaRPr>
-          </a:p>
-          <a:p>
-            <a:pPr marL="0" marR="0" lvl="0" indent="0">
-              <a:lnSpc>
-                <a:spcPct val="107000"/>
-              </a:lnSpc>
-              <a:spcBef>
-                <a:spcPts val="0"/>
-              </a:spcBef>
-              <a:spcAft>
-                <a:spcPts val="800"/>
-              </a:spcAft>
-              <a:buNone/>
-            </a:pPr>
-            <a:endParaRPr lang="en-US" sz="2800" dirty="0">
-              <a:solidFill>
-                <a:schemeClr val="tx2">
-                  <a:lumMod val="75000"/>
-                  <a:lumOff val="25000"/>
-                  <a:alpha val="70000"/>
-                </a:schemeClr>
-              </a:solidFill>
-              <a:latin typeface="Calibri" panose="020F0502020204030204" pitchFamily="34" charset="0"/>
-              <a:ea typeface="Calibri" panose="020F0502020204030204" pitchFamily="34" charset="0"/>
-              <a:cs typeface="Times New Roman" panose="02020603050405020304" pitchFamily="18" charset="0"/>
-            </a:endParaRPr>
-          </a:p>
-          <a:p>
-            <a:pPr marL="0" marR="0" lvl="0" indent="0">
-              <a:lnSpc>
-                <a:spcPct val="107000"/>
-              </a:lnSpc>
-              <a:spcBef>
-                <a:spcPts val="0"/>
-              </a:spcBef>
-              <a:spcAft>
-                <a:spcPts val="800"/>
-              </a:spcAft>
-              <a:buNone/>
-            </a:pPr>
-            <a:r>
-              <a:rPr lang="en-US" sz="2800" dirty="0">
-                <a:solidFill>
-                  <a:schemeClr val="tx2">
-                    <a:lumMod val="75000"/>
-                    <a:lumOff val="25000"/>
-                    <a:alpha val="70000"/>
-                  </a:schemeClr>
-                </a:solidFill>
-                <a:latin typeface="Calibri" panose="020F0502020204030204" pitchFamily="34" charset="0"/>
-                <a:ea typeface="Calibri" panose="020F0502020204030204" pitchFamily="34" charset="0"/>
                 <a:cs typeface="Times New Roman" panose="02020603050405020304" pitchFamily="18" charset="0"/>
               </a:rPr>
               <a:t>*</a:t>
             </a:r>
-            <a:r>
-              <a:rPr lang="en-US" sz="4600" b="1" dirty="0">
-                <a:solidFill>
-                  <a:schemeClr val="tx2">
-                    <a:lumMod val="75000"/>
-                    <a:lumOff val="25000"/>
-                    <a:alpha val="70000"/>
-                  </a:schemeClr>
-                </a:solidFill>
-                <a:latin typeface="Calibri" panose="020F0502020204030204" pitchFamily="34" charset="0"/>
-                <a:ea typeface="Calibri" panose="020F0502020204030204" pitchFamily="34" charset="0"/>
-                <a:cs typeface="Times New Roman" panose="02020603050405020304" pitchFamily="18" charset="0"/>
-              </a:rPr>
-              <a:t>thanks Nathan and Lada!</a:t>
-            </a:r>
-          </a:p>
-          <a:p>
-            <a:pPr marR="0" lvl="0" indent="-457200">
-              <a:lnSpc>
-                <a:spcPct val="107000"/>
-              </a:lnSpc>
-              <a:spcBef>
-                <a:spcPts val="0"/>
-              </a:spcBef>
-              <a:spcAft>
-                <a:spcPts val="800"/>
-              </a:spcAft>
-              <a:buFont typeface="Arial" panose="020B0604020202020204" pitchFamily="34" charset="0"/>
-              <a:buChar char="•"/>
-            </a:pPr>
+            <a:br>
+              <a:rPr lang="en-US" sz="4800" dirty="0"/>
+            </a:br>
             <a:endParaRPr lang="en-US" sz="2800" dirty="0">
               <a:solidFill>
                 <a:schemeClr val="tx2">
@@ -16630,6 +16380,15 @@
 </file>
 
 <file path=customXml/item1.xml><?xml version="1.0" encoding="utf-8"?>
+<?mso-contentType ?>
+<FormTemplates xmlns="http://schemas.microsoft.com/sharepoint/v3/contenttype/forms">
+  <Display>DocumentLibraryForm</Display>
+  <Edit>DocumentLibraryForm</Edit>
+  <New>DocumentLibraryForm</New>
+</FormTemplates>
+</file>
+
+<file path=customXml/item2.xml><?xml version="1.0" encoding="utf-8"?>
 <ct:contentTypeSchema xmlns:ct="http://schemas.microsoft.com/office/2006/metadata/contentType" xmlns:ma="http://schemas.microsoft.com/office/2006/metadata/properties/metaAttributes" ct:_="" ma:_="" ma:contentTypeName="Document" ma:contentTypeID="0x01010079F111ED35F8CC479449609E8A0923A6" ma:contentTypeVersion="18" ma:contentTypeDescription="Create a new document." ma:contentTypeScope="" ma:versionID="22a266b9fa9a230c5a512669d8b298c3">
   <xsd:schema xmlns:xsd="http://www.w3.org/2001/XMLSchema" xmlns:xs="http://www.w3.org/2001/XMLSchema" xmlns:p="http://schemas.microsoft.com/office/2006/metadata/properties" xmlns:ns1="http://schemas.microsoft.com/sharepoint/v3" xmlns:ns2="71af3243-3dd4-4a8d-8c0d-dd76da1f02a5" xmlns:ns3="16c05727-aa75-4e4a-9b5f-8a80a1165891" xmlns:ns4="230e9df3-be65-4c73-a93b-d1236ebd677e" targetNamespace="http://schemas.microsoft.com/office/2006/metadata/properties" ma:root="true" ma:fieldsID="eddc33fff6b14141ee5c74a0d29ea6a1" ns1:_="" ns2:_="" ns3:_="" ns4:_="">
     <xsd:import namespace="http://schemas.microsoft.com/sharepoint/v3"/>
@@ -16905,15 +16664,6 @@
 </ct:contentTypeSchema>
 </file>
 
-<file path=customXml/item2.xml><?xml version="1.0" encoding="utf-8"?>
-<?mso-contentType ?>
-<FormTemplates xmlns="http://schemas.microsoft.com/sharepoint/v3/contenttype/forms">
-  <Display>DocumentLibraryForm</Display>
-  <Edit>DocumentLibraryForm</Edit>
-  <New>DocumentLibraryForm</New>
-</FormTemplates>
-</file>
-
 <file path=customXml/item3.xml><?xml version="1.0" encoding="utf-8"?>
 <p:properties xmlns:p="http://schemas.microsoft.com/office/2006/metadata/properties" xmlns:xsi="http://www.w3.org/2001/XMLSchema-instance" xmlns:pc="http://schemas.microsoft.com/office/infopath/2007/PartnerControls">
   <documentManagement>
@@ -16934,6 +16684,14 @@
 </file>
 
 <file path=customXml/itemProps1.xml><?xml version="1.0" encoding="utf-8"?>
+<ds:datastoreItem xmlns:ds="http://schemas.openxmlformats.org/officeDocument/2006/customXml" ds:itemID="{5CF4B188-9E41-4609-81DC-EA2587D009AE}">
+  <ds:schemaRefs>
+    <ds:schemaRef ds:uri="http://schemas.microsoft.com/sharepoint/v3/contenttype/forms"/>
+  </ds:schemaRefs>
+</ds:datastoreItem>
+</file>
+
+<file path=customXml/itemProps2.xml><?xml version="1.0" encoding="utf-8"?>
 <ds:datastoreItem xmlns:ds="http://schemas.openxmlformats.org/officeDocument/2006/customXml" ds:itemID="{56052644-F409-493B-8E91-969D43897F27}">
   <ds:schemaRefs>
     <ds:schemaRef ds:uri="http://schemas.microsoft.com/office/2006/metadata/contentType"/>
@@ -16954,14 +16712,6 @@
 </ds:datastoreItem>
 </file>
 
-<file path=customXml/itemProps2.xml><?xml version="1.0" encoding="utf-8"?>
-<ds:datastoreItem xmlns:ds="http://schemas.openxmlformats.org/officeDocument/2006/customXml" ds:itemID="{5CF4B188-9E41-4609-81DC-EA2587D009AE}">
-  <ds:schemaRefs>
-    <ds:schemaRef ds:uri="http://schemas.microsoft.com/sharepoint/v3/contenttype/forms"/>
-  </ds:schemaRefs>
-</ds:datastoreItem>
-</file>
-
 <file path=customXml/itemProps3.xml><?xml version="1.0" encoding="utf-8"?>
 <ds:datastoreItem xmlns:ds="http://schemas.openxmlformats.org/officeDocument/2006/customXml" ds:itemID="{DAAFE2A1-77F8-441E-9B9F-DD61C354F4FE}">
   <ds:schemaRefs>
